--- a/函数式语言与并行计算.pptx
+++ b/函数式语言与并行计算.pptx
@@ -8251,7 +8251,7 @@
               <a:pPr>
                 <a:defRPr/>
               </a:pPr>
-              <a:t>2017/4/18</a:t>
+              <a:t>2017/5/13</a:t>
             </a:fld>
             <a:endParaRPr lang="zh-CN" altLang="en-US"/>
           </a:p>
@@ -8471,7 +8471,7 @@
               <a:pPr>
                 <a:defRPr/>
               </a:pPr>
-              <a:t>2017/4/18</a:t>
+              <a:t>2017/5/13</a:t>
             </a:fld>
             <a:endParaRPr lang="zh-CN" altLang="en-US"/>
           </a:p>
@@ -10899,7 +10899,7 @@
             <a:fld id="{27A1EDB7-BFCF-4D18-9C15-705C4FFB3DC6}" type="datetimeFigureOut">
               <a:rPr lang="zh-CN" altLang="en-US" smtClean="0"/>
               <a:pPr/>
-              <a:t>2017/4/18</a:t>
+              <a:t>2017/5/13</a:t>
             </a:fld>
             <a:endParaRPr lang="zh-CN" altLang="en-US"/>
           </a:p>
@@ -11322,7 +11322,7 @@
             <a:fld id="{27A1EDB7-BFCF-4D18-9C15-705C4FFB3DC6}" type="datetimeFigureOut">
               <a:rPr lang="zh-CN" altLang="en-US" smtClean="0"/>
               <a:pPr/>
-              <a:t>2017/4/18</a:t>
+              <a:t>2017/5/13</a:t>
             </a:fld>
             <a:endParaRPr lang="zh-CN" altLang="en-US"/>
           </a:p>
@@ -11776,7 +11776,7 @@
             <a:fld id="{27A1EDB7-BFCF-4D18-9C15-705C4FFB3DC6}" type="datetimeFigureOut">
               <a:rPr lang="zh-CN" altLang="en-US" smtClean="0"/>
               <a:pPr/>
-              <a:t>2017/4/18</a:t>
+              <a:t>2017/5/13</a:t>
             </a:fld>
             <a:endParaRPr lang="zh-CN" altLang="en-US"/>
           </a:p>
@@ -12035,7 +12035,7 @@
             <a:fld id="{27A1EDB7-BFCF-4D18-9C15-705C4FFB3DC6}" type="datetimeFigureOut">
               <a:rPr lang="zh-CN" altLang="en-US" smtClean="0"/>
               <a:pPr/>
-              <a:t>2017/4/18</a:t>
+              <a:t>2017/5/13</a:t>
             </a:fld>
             <a:endParaRPr lang="zh-CN" altLang="en-US"/>
           </a:p>
@@ -12458,7 +12458,7 @@
             <a:fld id="{27A1EDB7-BFCF-4D18-9C15-705C4FFB3DC6}" type="datetimeFigureOut">
               <a:rPr lang="zh-CN" altLang="en-US" smtClean="0"/>
               <a:pPr/>
-              <a:t>2017/4/18</a:t>
+              <a:t>2017/5/13</a:t>
             </a:fld>
             <a:endParaRPr lang="zh-CN" altLang="en-US"/>
           </a:p>
@@ -14987,7 +14987,7 @@
             <a:fld id="{27A1EDB7-BFCF-4D18-9C15-705C4FFB3DC6}" type="datetimeFigureOut">
               <a:rPr lang="zh-CN" altLang="en-US" smtClean="0"/>
               <a:pPr/>
-              <a:t>2017/4/18</a:t>
+              <a:t>2017/5/13</a:t>
             </a:fld>
             <a:endParaRPr lang="zh-CN" altLang="en-US"/>
           </a:p>
@@ -15183,7 +15183,7 @@
             <a:fld id="{27A1EDB7-BFCF-4D18-9C15-705C4FFB3DC6}" type="datetimeFigureOut">
               <a:rPr lang="zh-CN" altLang="en-US" smtClean="0"/>
               <a:pPr/>
-              <a:t>2017/4/18</a:t>
+              <a:t>2017/5/13</a:t>
             </a:fld>
             <a:endParaRPr lang="zh-CN" altLang="en-US"/>
           </a:p>
@@ -15598,7 +15598,7 @@
             <a:fld id="{4C2BB0FC-639C-4E93-A210-0DDDB6707A7F}" type="datetimeFigureOut">
               <a:rPr lang="zh-CN" altLang="en-US" smtClean="0"/>
               <a:pPr/>
-              <a:t>2017/4/18</a:t>
+              <a:t>2017/5/13</a:t>
             </a:fld>
             <a:endParaRPr lang="zh-CN" altLang="en-US"/>
           </a:p>
@@ -15770,7 +15770,7 @@
             <a:fld id="{4C2BB0FC-639C-4E93-A210-0DDDB6707A7F}" type="datetimeFigureOut">
               <a:rPr lang="zh-CN" altLang="en-US" smtClean="0"/>
               <a:pPr/>
-              <a:t>2017/4/18</a:t>
+              <a:t>2017/5/13</a:t>
             </a:fld>
             <a:endParaRPr lang="zh-CN" altLang="en-US"/>
           </a:p>
@@ -16018,7 +16018,7 @@
             <a:fld id="{4C2BB0FC-639C-4E93-A210-0DDDB6707A7F}" type="datetimeFigureOut">
               <a:rPr lang="zh-CN" altLang="en-US" smtClean="0"/>
               <a:pPr/>
-              <a:t>2017/4/18</a:t>
+              <a:t>2017/5/13</a:t>
             </a:fld>
             <a:endParaRPr lang="zh-CN" altLang="en-US"/>
           </a:p>
@@ -16308,7 +16308,7 @@
             <a:fld id="{4C2BB0FC-639C-4E93-A210-0DDDB6707A7F}" type="datetimeFigureOut">
               <a:rPr lang="zh-CN" altLang="en-US" smtClean="0"/>
               <a:pPr/>
-              <a:t>2017/4/18</a:t>
+              <a:t>2017/5/13</a:t>
             </a:fld>
             <a:endParaRPr lang="zh-CN" altLang="en-US"/>
           </a:p>
@@ -16732,7 +16732,7 @@
             <a:fld id="{4C2BB0FC-639C-4E93-A210-0DDDB6707A7F}" type="datetimeFigureOut">
               <a:rPr lang="zh-CN" altLang="en-US" smtClean="0"/>
               <a:pPr/>
-              <a:t>2017/4/18</a:t>
+              <a:t>2017/5/13</a:t>
             </a:fld>
             <a:endParaRPr lang="zh-CN" altLang="en-US"/>
           </a:p>
@@ -16852,7 +16852,7 @@
             <a:fld id="{4C2BB0FC-639C-4E93-A210-0DDDB6707A7F}" type="datetimeFigureOut">
               <a:rPr lang="zh-CN" altLang="en-US" smtClean="0"/>
               <a:pPr/>
-              <a:t>2017/4/18</a:t>
+              <a:t>2017/5/13</a:t>
             </a:fld>
             <a:endParaRPr lang="zh-CN" altLang="en-US"/>
           </a:p>
@@ -16949,7 +16949,7 @@
             <a:fld id="{4C2BB0FC-639C-4E93-A210-0DDDB6707A7F}" type="datetimeFigureOut">
               <a:rPr lang="zh-CN" altLang="en-US" smtClean="0"/>
               <a:pPr/>
-              <a:t>2017/4/18</a:t>
+              <a:t>2017/5/13</a:t>
             </a:fld>
             <a:endParaRPr lang="zh-CN" altLang="en-US"/>
           </a:p>
@@ -17253,7 +17253,7 @@
             <a:fld id="{4C2BB0FC-639C-4E93-A210-0DDDB6707A7F}" type="datetimeFigureOut">
               <a:rPr lang="zh-CN" altLang="en-US" smtClean="0"/>
               <a:pPr/>
-              <a:t>2017/4/18</a:t>
+              <a:t>2017/5/13</a:t>
             </a:fld>
             <a:endParaRPr lang="zh-CN" altLang="en-US"/>
           </a:p>
@@ -17512,7 +17512,7 @@
             <a:fld id="{4C2BB0FC-639C-4E93-A210-0DDDB6707A7F}" type="datetimeFigureOut">
               <a:rPr lang="zh-CN" altLang="en-US" smtClean="0"/>
               <a:pPr/>
-              <a:t>2017/4/18</a:t>
+              <a:t>2017/5/13</a:t>
             </a:fld>
             <a:endParaRPr lang="zh-CN" altLang="en-US"/>
           </a:p>
@@ -17684,7 +17684,7 @@
             <a:fld id="{4C2BB0FC-639C-4E93-A210-0DDDB6707A7F}" type="datetimeFigureOut">
               <a:rPr lang="zh-CN" altLang="en-US" smtClean="0"/>
               <a:pPr/>
-              <a:t>2017/4/18</a:t>
+              <a:t>2017/5/13</a:t>
             </a:fld>
             <a:endParaRPr lang="zh-CN" altLang="en-US"/>
           </a:p>
@@ -17866,7 +17866,7 @@
             <a:fld id="{4C2BB0FC-639C-4E93-A210-0DDDB6707A7F}" type="datetimeFigureOut">
               <a:rPr lang="zh-CN" altLang="en-US" smtClean="0"/>
               <a:pPr/>
-              <a:t>2017/4/18</a:t>
+              <a:t>2017/5/13</a:t>
             </a:fld>
             <a:endParaRPr lang="zh-CN" altLang="en-US"/>
           </a:p>
@@ -18245,7 +18245,7 @@
                 </a:solidFill>
               </a:rPr>
               <a:pPr/>
-              <a:t>2017/4/18</a:t>
+              <a:t>2017/5/13</a:t>
             </a:fld>
             <a:endParaRPr lang="zh-CN" altLang="en-US">
               <a:solidFill>
@@ -18540,7 +18540,7 @@
                 </a:solidFill>
               </a:rPr>
               <a:pPr/>
-              <a:t>2017/4/18</a:t>
+              <a:t>2017/5/13</a:t>
             </a:fld>
             <a:endParaRPr lang="zh-CN" altLang="en-US">
               <a:solidFill>
@@ -18939,7 +18939,7 @@
                 </a:solidFill>
               </a:rPr>
               <a:pPr/>
-              <a:t>2017/4/18</a:t>
+              <a:t>2017/5/13</a:t>
             </a:fld>
             <a:endParaRPr lang="zh-CN" altLang="en-US">
               <a:solidFill>
@@ -19094,7 +19094,7 @@
                 </a:solidFill>
               </a:rPr>
               <a:pPr/>
-              <a:t>2017/4/18</a:t>
+              <a:t>2017/5/13</a:t>
             </a:fld>
             <a:endParaRPr lang="zh-CN" altLang="en-US">
               <a:solidFill>
@@ -19299,7 +19299,7 @@
                 </a:solidFill>
               </a:rPr>
               <a:pPr/>
-              <a:t>2017/4/18</a:t>
+              <a:t>2017/5/13</a:t>
             </a:fld>
             <a:endParaRPr lang="zh-CN" altLang="en-US">
               <a:solidFill>
@@ -19479,7 +19479,7 @@
                 </a:solidFill>
               </a:rPr>
               <a:pPr/>
-              <a:t>2017/4/18</a:t>
+              <a:t>2017/5/13</a:t>
             </a:fld>
             <a:endParaRPr lang="zh-CN" altLang="en-US">
               <a:solidFill>
@@ -20055,7 +20055,7 @@
                 </a:solidFill>
               </a:rPr>
               <a:pPr/>
-              <a:t>2017/4/18</a:t>
+              <a:t>2017/5/13</a:t>
             </a:fld>
             <a:endParaRPr lang="zh-CN" altLang="en-US">
               <a:solidFill>
@@ -20340,7 +20340,7 @@
                 </a:solidFill>
               </a:rPr>
               <a:pPr/>
-              <a:t>2017/4/18</a:t>
+              <a:t>2017/5/13</a:t>
             </a:fld>
             <a:endParaRPr lang="zh-CN" altLang="en-US">
               <a:solidFill>
@@ -20547,7 +20547,7 @@
                 </a:solidFill>
               </a:rPr>
               <a:pPr/>
-              <a:t>2017/4/18</a:t>
+              <a:t>2017/5/13</a:t>
             </a:fld>
             <a:endParaRPr lang="zh-CN" altLang="en-US">
               <a:solidFill>
@@ -20764,7 +20764,7 @@
                 </a:solidFill>
               </a:rPr>
               <a:pPr/>
-              <a:t>2017/4/18</a:t>
+              <a:t>2017/5/13</a:t>
             </a:fld>
             <a:endParaRPr lang="zh-CN" altLang="en-US">
               <a:solidFill>
@@ -25060,7 +25060,7 @@
             <a:fld id="{4C2BB0FC-639C-4E93-A210-0DDDB6707A7F}" type="datetimeFigureOut">
               <a:rPr lang="zh-CN" altLang="en-US" smtClean="0"/>
               <a:pPr/>
-              <a:t>2017/4/18</a:t>
+              <a:t>2017/5/13</a:t>
             </a:fld>
             <a:endParaRPr lang="zh-CN" altLang="en-US"/>
           </a:p>
@@ -25594,7 +25594,7 @@
                   <a:spcPts val="0"/>
                 </a:spcAft>
               </a:pPr>
-              <a:t>2017/4/18</a:t>
+              <a:t>2017/5/13</a:t>
             </a:fld>
             <a:endParaRPr lang="zh-CN" altLang="en-US">
               <a:solidFill>
@@ -31834,7 +31834,7 @@
                 <a:ea typeface="+mn-ea"/>
                 <a:cs typeface="微软雅黑" charset="0"/>
               </a:rPr>
-              <a:t>3-1 </a:t>
+              <a:t>4-1 </a:t>
             </a:r>
             <a:r>
               <a:rPr lang="zh-CN" altLang="en-US" sz="2400" b="1" dirty="0" smtClean="0">
@@ -32325,10 +32325,10 @@
                 <a:ea typeface="+mn-ea"/>
                 <a:cs typeface="微软雅黑" charset="0"/>
               </a:rPr>
-              <a:t>3</a:t>
-            </a:r>
-            <a:r>
-              <a:rPr lang="en-US" altLang="zh-CN" sz="2400" b="1" dirty="0">
+              <a:t>4</a:t>
+            </a:r>
+            <a:r>
+              <a:rPr lang="en-US" altLang="zh-CN" sz="2400" b="1" dirty="0" smtClean="0">
                 <a:solidFill>
                   <a:srgbClr val="FF0000"/>
                 </a:solidFill>
@@ -32342,7 +32342,7 @@
                 <a:latin typeface="+mn-ea"/>
                 <a:cs typeface="微软雅黑" charset="0"/>
               </a:rPr>
-              <a:t>-</a:t>
+              <a:t>-2</a:t>
             </a:r>
             <a:r>
               <a:rPr lang="en-US" altLang="zh-CN" sz="2400" b="1" dirty="0" smtClean="0">
@@ -32360,7 +32360,7 @@
                 <a:ea typeface="+mn-ea"/>
                 <a:cs typeface="微软雅黑" charset="0"/>
               </a:rPr>
-              <a:t>3 </a:t>
+              <a:t> </a:t>
             </a:r>
             <a:r>
               <a:rPr lang="zh-CN" altLang="en-US" sz="2400" b="1" dirty="0" smtClean="0">
@@ -32680,7 +32680,7 @@
                 <a:ea typeface="+mn-ea"/>
                 <a:cs typeface="微软雅黑" charset="0"/>
               </a:rPr>
-              <a:t>3-2 </a:t>
+              <a:t>4-3 </a:t>
             </a:r>
             <a:r>
               <a:rPr lang="zh-CN" altLang="en-US" sz="2400" b="1" dirty="0" smtClean="0">
@@ -32920,7 +32920,7 @@
                 <a:ea typeface="+mn-ea"/>
                 <a:cs typeface="微软雅黑" charset="0"/>
               </a:rPr>
-              <a:t>3-2 </a:t>
+              <a:t>4-4 </a:t>
             </a:r>
             <a:r>
               <a:rPr lang="zh-CN" altLang="en-US" sz="2400" b="1" dirty="0" smtClean="0">
@@ -33168,10 +33168,10 @@
                 <a:ea typeface="+mn-ea"/>
                 <a:cs typeface="微软雅黑" charset="0"/>
               </a:rPr>
-              <a:t>3</a:t>
-            </a:r>
-            <a:r>
-              <a:rPr lang="en-US" altLang="zh-CN" sz="2400" b="1" dirty="0">
+              <a:t>4</a:t>
+            </a:r>
+            <a:r>
+              <a:rPr lang="en-US" altLang="zh-CN" sz="2400" b="1" dirty="0" smtClean="0">
                 <a:solidFill>
                   <a:srgbClr val="FF0000"/>
                 </a:solidFill>
@@ -33185,7 +33185,7 @@
                 <a:latin typeface="+mn-ea"/>
                 <a:cs typeface="微软雅黑" charset="0"/>
               </a:rPr>
-              <a:t>-</a:t>
+              <a:t>-5</a:t>
             </a:r>
             <a:r>
               <a:rPr lang="en-US" altLang="zh-CN" sz="2400" b="1" dirty="0" smtClean="0">
@@ -33203,7 +33203,7 @@
                 <a:ea typeface="+mn-ea"/>
                 <a:cs typeface="微软雅黑" charset="0"/>
               </a:rPr>
-              <a:t>3 </a:t>
+              <a:t> </a:t>
             </a:r>
             <a:r>
               <a:rPr lang="zh-CN" altLang="en-US" sz="2400" b="1" dirty="0" smtClean="0">
@@ -33313,10 +33313,6 @@
               </a:rPr>
               <a:t>Scala</a:t>
             </a:r>
-            <a:endParaRPr lang="en-US" altLang="zh-CN" sz="2000" b="1" dirty="0" smtClean="0">
-              <a:latin typeface="+mn-ea"/>
-              <a:ea typeface="+mn-ea"/>
-            </a:endParaRPr>
           </a:p>
           <a:p>
             <a:pPr marL="800100" lvl="1" indent="-342900">
@@ -33388,10 +33384,6 @@
               </a:rPr>
               <a:t>() ) 1 else 2</a:t>
             </a:r>
-            <a:endParaRPr lang="en-US" altLang="zh-CN" sz="2000" dirty="0" smtClean="0">
-              <a:latin typeface="+mn-ea"/>
-              <a:ea typeface="+mn-ea"/>
-            </a:endParaRPr>
           </a:p>
           <a:p>
             <a:pPr marL="342900" indent="-342900">
@@ -33426,14 +33418,7 @@
                 <a:latin typeface="+mn-ea"/>
                 <a:ea typeface="+mn-ea"/>
               </a:rPr>
-              <a:t>（没有</a:t>
-            </a:r>
-            <a:r>
-              <a:rPr lang="zh-CN" altLang="en-US" sz="2000" b="1" dirty="0" smtClean="0">
-                <a:latin typeface="+mn-ea"/>
-                <a:ea typeface="+mn-ea"/>
-              </a:rPr>
-              <a:t>和</a:t>
+              <a:t>（没有和</a:t>
             </a:r>
             <a:r>
               <a:rPr lang="en-US" altLang="zh-CN" sz="2000" b="1" dirty="0" smtClean="0">
@@ -33447,14 +33432,7 @@
                 <a:latin typeface="+mn-ea"/>
                 <a:ea typeface="+mn-ea"/>
               </a:rPr>
-              <a:t>直接对应的</a:t>
-            </a:r>
-            <a:r>
-              <a:rPr lang="zh-CN" altLang="en-US" sz="2000" b="1" dirty="0" smtClean="0">
-                <a:latin typeface="+mn-ea"/>
-                <a:ea typeface="+mn-ea"/>
-              </a:rPr>
-              <a:t>概念）</a:t>
+              <a:t>直接对应的概念）</a:t>
             </a:r>
             <a:endParaRPr lang="en-US" altLang="zh-CN" sz="2000" b="1" dirty="0" smtClean="0">
               <a:latin typeface="+mn-ea"/>
@@ -33664,10 +33642,10 @@
                 <a:ea typeface="+mn-ea"/>
                 <a:cs typeface="微软雅黑" charset="0"/>
               </a:rPr>
-              <a:t>3</a:t>
-            </a:r>
-            <a:r>
-              <a:rPr lang="en-US" altLang="zh-CN" sz="2400" b="1" dirty="0">
+              <a:t>4</a:t>
+            </a:r>
+            <a:r>
+              <a:rPr lang="en-US" altLang="zh-CN" sz="2400" b="1" dirty="0" smtClean="0">
                 <a:solidFill>
                   <a:srgbClr val="FF0000"/>
                 </a:solidFill>
@@ -33681,7 +33659,7 @@
                 <a:latin typeface="+mn-ea"/>
                 <a:cs typeface="微软雅黑" charset="0"/>
               </a:rPr>
-              <a:t>-</a:t>
+              <a:t>-6</a:t>
             </a:r>
             <a:r>
               <a:rPr lang="en-US" altLang="zh-CN" sz="2400" b="1" dirty="0" smtClean="0">
@@ -33699,7 +33677,7 @@
                 <a:ea typeface="+mn-ea"/>
                 <a:cs typeface="微软雅黑" charset="0"/>
               </a:rPr>
-              <a:t>3 </a:t>
+              <a:t> </a:t>
             </a:r>
             <a:r>
               <a:rPr lang="zh-CN" altLang="en-US" sz="2400" b="1" dirty="0" smtClean="0">
@@ -33773,10 +33751,6 @@
               </a:rPr>
               <a:t>Scala</a:t>
             </a:r>
-            <a:endParaRPr lang="en-US" altLang="zh-CN" sz="2000" b="1" dirty="0" smtClean="0">
-              <a:latin typeface="+mn-ea"/>
-              <a:ea typeface="+mn-ea"/>
-            </a:endParaRPr>
           </a:p>
           <a:p>
             <a:pPr marL="800100" lvl="1" indent="-342900">
@@ -33793,10 +33767,6 @@
               </a:rPr>
               <a:t>Option</a:t>
             </a:r>
-            <a:endParaRPr lang="en-US" altLang="zh-CN" sz="2000" dirty="0" smtClean="0">
-              <a:latin typeface="+mn-ea"/>
-              <a:ea typeface="+mn-ea"/>
-            </a:endParaRPr>
           </a:p>
           <a:p>
             <a:pPr marL="800100" lvl="1" indent="-342900">
@@ -33843,10 +33813,6 @@
               </a:rPr>
               <a:t>null)</a:t>
             </a:r>
-            <a:endParaRPr lang="en-US" altLang="zh-CN" sz="2000" dirty="0" smtClean="0">
-              <a:latin typeface="+mn-ea"/>
-              <a:ea typeface="+mn-ea"/>
-            </a:endParaRPr>
           </a:p>
           <a:p>
             <a:pPr marL="342900" indent="-342900">
@@ -33876,10 +33842,6 @@
               </a:rPr>
               <a:t>C#</a:t>
             </a:r>
-            <a:endParaRPr lang="en-US" altLang="zh-CN" sz="2000" b="1" dirty="0" smtClean="0">
-              <a:latin typeface="+mn-ea"/>
-              <a:ea typeface="+mn-ea"/>
-            </a:endParaRPr>
           </a:p>
           <a:p>
             <a:pPr marL="800100" lvl="1" indent="-342900">
@@ -34065,10 +34027,10 @@
                 <a:ea typeface="+mn-ea"/>
                 <a:cs typeface="微软雅黑" charset="0"/>
               </a:rPr>
-              <a:t>3</a:t>
-            </a:r>
-            <a:r>
-              <a:rPr lang="en-US" altLang="zh-CN" sz="2400" b="1" dirty="0">
+              <a:t>4</a:t>
+            </a:r>
+            <a:r>
+              <a:rPr lang="en-US" altLang="zh-CN" sz="2400" b="1" dirty="0" smtClean="0">
                 <a:solidFill>
                   <a:srgbClr val="FF0000"/>
                 </a:solidFill>
@@ -34082,7 +34044,7 @@
                 <a:latin typeface="+mn-ea"/>
                 <a:cs typeface="微软雅黑" charset="0"/>
               </a:rPr>
-              <a:t>-</a:t>
+              <a:t>-7</a:t>
             </a:r>
             <a:r>
               <a:rPr lang="en-US" altLang="zh-CN" sz="2400" b="1" dirty="0" smtClean="0">
@@ -34100,7 +34062,7 @@
                 <a:ea typeface="+mn-ea"/>
                 <a:cs typeface="微软雅黑" charset="0"/>
               </a:rPr>
-              <a:t>3 </a:t>
+              <a:t> </a:t>
             </a:r>
             <a:r>
               <a:rPr lang="zh-CN" altLang="en-US" sz="2400" b="1" dirty="0" smtClean="0">
@@ -34172,14 +34134,7 @@
                 <a:latin typeface="+mn-ea"/>
                 <a:ea typeface="+mn-ea"/>
               </a:rPr>
-              <a:t>偏函数就是不能处理所有可能输入的</a:t>
-            </a:r>
-            <a:r>
-              <a:rPr lang="zh-CN" altLang="en-US" sz="2000" b="1" dirty="0" smtClean="0">
-                <a:latin typeface="+mn-ea"/>
-                <a:ea typeface="+mn-ea"/>
-              </a:rPr>
-              <a:t>函数</a:t>
+              <a:t>偏函数就是不能处理所有可能输入的函数</a:t>
             </a:r>
             <a:endParaRPr lang="en-US" altLang="zh-CN" sz="2000" b="1" dirty="0" smtClean="0">
               <a:latin typeface="+mn-ea"/>
@@ -34215,10 +34170,6 @@
               </a:rPr>
               <a:t>default</a:t>
             </a:r>
-            <a:endParaRPr lang="en-US" altLang="zh-CN" sz="2000" dirty="0" smtClean="0">
-              <a:latin typeface="+mn-ea"/>
-              <a:ea typeface="+mn-ea"/>
-            </a:endParaRPr>
           </a:p>
           <a:p>
             <a:pPr marL="342900" indent="-342900">
@@ -34267,14 +34218,7 @@
                 <a:latin typeface="+mn-ea"/>
                 <a:ea typeface="+mn-ea"/>
               </a:rPr>
-              <a:t>纯</a:t>
-            </a:r>
-            <a:r>
-              <a:rPr lang="zh-CN" altLang="en-US" sz="2000" b="1" dirty="0" smtClean="0">
-                <a:latin typeface="+mn-ea"/>
-                <a:ea typeface="+mn-ea"/>
-              </a:rPr>
-              <a:t>函数</a:t>
+              <a:t>纯函数</a:t>
             </a:r>
             <a:endParaRPr lang="en-US" altLang="zh-CN" sz="2000" b="1" dirty="0" smtClean="0">
               <a:latin typeface="+mn-ea"/>
@@ -34442,10 +34386,10 @@
                 <a:ea typeface="+mn-ea"/>
                 <a:cs typeface="微软雅黑" charset="0"/>
               </a:rPr>
-              <a:t>3</a:t>
-            </a:r>
-            <a:r>
-              <a:rPr lang="en-US" altLang="zh-CN" sz="2400" b="1" dirty="0">
+              <a:t>4</a:t>
+            </a:r>
+            <a:r>
+              <a:rPr lang="en-US" altLang="zh-CN" sz="2400" b="1" dirty="0" smtClean="0">
                 <a:solidFill>
                   <a:srgbClr val="FF0000"/>
                 </a:solidFill>
@@ -34459,7 +34403,7 @@
                 <a:latin typeface="+mn-ea"/>
                 <a:cs typeface="微软雅黑" charset="0"/>
               </a:rPr>
-              <a:t>-</a:t>
+              <a:t>-8</a:t>
             </a:r>
             <a:r>
               <a:rPr lang="en-US" altLang="zh-CN" sz="2400" b="1" dirty="0" smtClean="0">
@@ -34477,7 +34421,7 @@
                 <a:ea typeface="+mn-ea"/>
                 <a:cs typeface="微软雅黑" charset="0"/>
               </a:rPr>
-              <a:t>4 </a:t>
+              <a:t> </a:t>
             </a:r>
             <a:r>
               <a:rPr lang="zh-CN" altLang="en-US" sz="2400" b="1" dirty="0" smtClean="0">
@@ -34657,10 +34601,10 @@
                 <a:ea typeface="+mn-ea"/>
                 <a:cs typeface="微软雅黑" charset="0"/>
               </a:rPr>
-              <a:t>3</a:t>
-            </a:r>
-            <a:r>
-              <a:rPr lang="en-US" altLang="zh-CN" sz="2400" b="1" dirty="0">
+              <a:t>4</a:t>
+            </a:r>
+            <a:r>
+              <a:rPr lang="en-US" altLang="zh-CN" sz="2400" b="1" dirty="0" smtClean="0">
                 <a:solidFill>
                   <a:srgbClr val="FF0000"/>
                 </a:solidFill>
@@ -34674,7 +34618,7 @@
                 <a:latin typeface="+mn-ea"/>
                 <a:cs typeface="微软雅黑" charset="0"/>
               </a:rPr>
-              <a:t>-</a:t>
+              <a:t>-9</a:t>
             </a:r>
             <a:r>
               <a:rPr lang="en-US" altLang="zh-CN" sz="2400" b="1" dirty="0" smtClean="0">
@@ -34692,7 +34636,7 @@
                 <a:ea typeface="+mn-ea"/>
                 <a:cs typeface="微软雅黑" charset="0"/>
               </a:rPr>
-              <a:t>4 </a:t>
+              <a:t> </a:t>
             </a:r>
             <a:r>
               <a:rPr lang="zh-CN" altLang="en-US" sz="2400" b="1" dirty="0" smtClean="0">
@@ -35061,10 +35005,10 @@
                 <a:ea typeface="+mn-ea"/>
                 <a:cs typeface="微软雅黑" charset="0"/>
               </a:rPr>
-              <a:t>3</a:t>
-            </a:r>
-            <a:r>
-              <a:rPr lang="en-US" altLang="zh-CN" sz="2400" b="1" dirty="0">
+              <a:t>4</a:t>
+            </a:r>
+            <a:r>
+              <a:rPr lang="en-US" altLang="zh-CN" sz="2400" b="1" dirty="0" smtClean="0">
                 <a:solidFill>
                   <a:srgbClr val="FF0000"/>
                 </a:solidFill>
@@ -35078,7 +35022,7 @@
                 <a:latin typeface="+mn-ea"/>
                 <a:cs typeface="微软雅黑" charset="0"/>
               </a:rPr>
-              <a:t>-</a:t>
+              <a:t>-10</a:t>
             </a:r>
             <a:r>
               <a:rPr lang="en-US" altLang="zh-CN" sz="2400" b="1" dirty="0" smtClean="0">
@@ -35096,7 +35040,7 @@
                 <a:ea typeface="+mn-ea"/>
                 <a:cs typeface="微软雅黑" charset="0"/>
               </a:rPr>
-              <a:t>4 </a:t>
+              <a:t> </a:t>
             </a:r>
             <a:r>
               <a:rPr lang="zh-CN" altLang="en-US" sz="2400" b="1" dirty="0" smtClean="0">
@@ -35345,42 +35289,7 @@
                 <a:ea typeface="+mn-ea"/>
                 <a:cs typeface="微软雅黑" charset="0"/>
               </a:rPr>
-              <a:t>3</a:t>
-            </a:r>
-            <a:r>
-              <a:rPr lang="en-US" altLang="zh-CN" sz="2400" b="1" dirty="0">
-                <a:solidFill>
-                  <a:srgbClr val="FF0000"/>
-                </a:solidFill>
-                <a:effectLst>
-                  <a:outerShdw blurRad="38100" dist="38100" dir="2700000" algn="tl">
-                    <a:srgbClr val="000000">
-                      <a:alpha val="43137"/>
-                    </a:srgbClr>
-                  </a:outerShdw>
-                </a:effectLst>
-                <a:latin typeface="+mn-ea"/>
-                <a:cs typeface="微软雅黑" charset="0"/>
-              </a:rPr>
-              <a:t>-</a:t>
-            </a:r>
-            <a:r>
-              <a:rPr lang="en-US" altLang="zh-CN" sz="2400" b="1" dirty="0" smtClean="0">
-                <a:solidFill>
-                  <a:srgbClr val="FF0000"/>
-                </a:solidFill>
-                <a:effectLst>
-                  <a:outerShdw blurRad="38100" dist="38100" dir="2700000" algn="tl">
-                    <a:srgbClr val="000000">
-                      <a:alpha val="43137"/>
-                    </a:srgbClr>
-                  </a:outerShdw>
-                </a:effectLst>
-                <a:latin typeface="+mn-ea"/>
-                <a:ea typeface="+mn-ea"/>
-                <a:cs typeface="微软雅黑" charset="0"/>
-              </a:rPr>
-              <a:t>4 </a:t>
+              <a:t>4-11 </a:t>
             </a:r>
             <a:r>
               <a:rPr lang="zh-CN" altLang="en-US" sz="2400" b="1" dirty="0" smtClean="0">
@@ -35555,42 +35464,7 @@
                 <a:ea typeface="+mn-ea"/>
                 <a:cs typeface="微软雅黑" charset="0"/>
               </a:rPr>
-              <a:t>3</a:t>
-            </a:r>
-            <a:r>
-              <a:rPr lang="en-US" altLang="zh-CN" sz="2400" b="1" dirty="0">
-                <a:solidFill>
-                  <a:srgbClr val="FF0000"/>
-                </a:solidFill>
-                <a:effectLst>
-                  <a:outerShdw blurRad="38100" dist="38100" dir="2700000" algn="tl">
-                    <a:srgbClr val="000000">
-                      <a:alpha val="43137"/>
-                    </a:srgbClr>
-                  </a:outerShdw>
-                </a:effectLst>
-                <a:latin typeface="+mn-ea"/>
-                <a:cs typeface="微软雅黑" charset="0"/>
-              </a:rPr>
-              <a:t>-</a:t>
-            </a:r>
-            <a:r>
-              <a:rPr lang="en-US" altLang="zh-CN" sz="2400" b="1" dirty="0" smtClean="0">
-                <a:solidFill>
-                  <a:srgbClr val="FF0000"/>
-                </a:solidFill>
-                <a:effectLst>
-                  <a:outerShdw blurRad="38100" dist="38100" dir="2700000" algn="tl">
-                    <a:srgbClr val="000000">
-                      <a:alpha val="43137"/>
-                    </a:srgbClr>
-                  </a:outerShdw>
-                </a:effectLst>
-                <a:latin typeface="+mn-ea"/>
-                <a:ea typeface="+mn-ea"/>
-                <a:cs typeface="微软雅黑" charset="0"/>
-              </a:rPr>
-              <a:t>4 </a:t>
+              <a:t>4-12 </a:t>
             </a:r>
             <a:r>
               <a:rPr lang="zh-CN" altLang="en-US" sz="2400" b="1" dirty="0" smtClean="0">
@@ -35768,10 +35642,10 @@
                 <a:ea typeface="+mn-ea"/>
                 <a:cs typeface="微软雅黑" charset="0"/>
               </a:rPr>
-              <a:t>3</a:t>
-            </a:r>
-            <a:r>
-              <a:rPr lang="en-US" altLang="zh-CN" sz="2400" b="1" dirty="0">
+              <a:t>1</a:t>
+            </a:r>
+            <a:r>
+              <a:rPr lang="en-US" altLang="zh-CN" sz="2400" b="1" dirty="0" smtClean="0">
                 <a:solidFill>
                   <a:srgbClr val="FF0000"/>
                 </a:solidFill>
@@ -35803,7 +35677,7 @@
                 <a:ea typeface="+mn-ea"/>
                 <a:cs typeface="微软雅黑" charset="0"/>
               </a:rPr>
-              <a:t>3 </a:t>
+              <a:t>2 </a:t>
             </a:r>
             <a:r>
               <a:rPr lang="zh-CN" altLang="en-US" sz="2400" b="1" dirty="0" smtClean="0">
@@ -35821,26 +35695,23 @@
                 <a:ea typeface="+mn-ea"/>
                 <a:cs typeface="微软雅黑" charset="0"/>
               </a:rPr>
-              <a:t>用户</a:t>
-            </a:r>
-            <a:r>
-              <a:rPr lang="zh-CN" altLang="en-US" sz="2400" b="1" dirty="0">
-                <a:solidFill>
-                  <a:srgbClr val="FF0000"/>
-                </a:solidFill>
-                <a:effectLst>
-                  <a:outerShdw blurRad="38100" dist="38100" dir="2700000" algn="tl">
-                    <a:srgbClr val="000000">
-                      <a:alpha val="43137"/>
-                    </a:srgbClr>
-                  </a:outerShdw>
-                </a:effectLst>
-                <a:latin typeface="+mn-ea"/>
-                <a:ea typeface="+mn-ea"/>
-                <a:cs typeface="微软雅黑" charset="0"/>
-              </a:rPr>
-              <a:t>使用方式</a:t>
-            </a:r>
+              <a:t>函数式语言的优势</a:t>
+            </a:r>
+            <a:endParaRPr lang="zh-CN" altLang="en-US" sz="2400" b="1" dirty="0">
+              <a:solidFill>
+                <a:srgbClr val="FF0000"/>
+              </a:solidFill>
+              <a:effectLst>
+                <a:outerShdw blurRad="38100" dist="38100" dir="2700000" algn="tl">
+                  <a:srgbClr val="000000">
+                    <a:alpha val="43137"/>
+                  </a:srgbClr>
+                </a:outerShdw>
+              </a:effectLst>
+              <a:latin typeface="+mn-ea"/>
+              <a:ea typeface="+mn-ea"/>
+              <a:cs typeface="微软雅黑" charset="0"/>
+            </a:endParaRPr>
           </a:p>
         </p:txBody>
       </p:sp>
@@ -36135,7 +36006,7 @@
                 <a:ea typeface="+mn-ea"/>
                 <a:cs typeface="微软雅黑" charset="0"/>
               </a:rPr>
-              <a:t>1-1 </a:t>
+              <a:t>1-3 </a:t>
             </a:r>
             <a:r>
               <a:rPr kumimoji="1" lang="zh-CN" altLang="en-US" sz="2400" b="1" dirty="0" smtClean="0">
@@ -36700,7 +36571,7 @@
                 <a:ea typeface="+mn-ea"/>
                 <a:cs typeface="微软雅黑" charset="0"/>
               </a:rPr>
-              <a:t>1-1 </a:t>
+              <a:t>2-1 </a:t>
             </a:r>
             <a:r>
               <a:rPr lang="zh-CN" altLang="en-US" sz="2400" b="1" dirty="0" smtClean="0">
@@ -36844,7 +36715,7 @@
                 <a:ea typeface="+mn-ea"/>
                 <a:cs typeface="微软雅黑" charset="0"/>
               </a:rPr>
-              <a:t>1-1 </a:t>
+              <a:t>2-2 </a:t>
             </a:r>
             <a:r>
               <a:rPr kumimoji="1" lang="zh-CN" altLang="en-US" sz="2400" b="1" dirty="0" smtClean="0">
@@ -36862,7 +36733,25 @@
                 <a:ea typeface="+mn-ea"/>
                 <a:cs typeface="微软雅黑" charset="0"/>
               </a:rPr>
-              <a:t>并行软件的要求</a:t>
+              <a:t>并行</a:t>
+            </a:r>
+            <a:r>
+              <a:rPr kumimoji="1" lang="zh-CN" altLang="en-US" sz="2400" b="1" dirty="0" smtClean="0">
+                <a:solidFill>
+                  <a:srgbClr val="FF0000"/>
+                </a:solidFill>
+                <a:effectLst>
+                  <a:outerShdw blurRad="38100" dist="38100" dir="2700000" algn="tl">
+                    <a:srgbClr val="000000">
+                      <a:alpha val="43137"/>
+                    </a:srgbClr>
+                  </a:outerShdw>
+                </a:effectLst>
+                <a:latin typeface="+mn-ea"/>
+                <a:ea typeface="+mn-ea"/>
+                <a:cs typeface="微软雅黑" charset="0"/>
+              </a:rPr>
+              <a:t>软件的要求</a:t>
             </a:r>
             <a:endParaRPr kumimoji="1" lang="zh-CN" altLang="zh-CN" sz="2400" b="1" dirty="0">
               <a:solidFill>
@@ -37605,7 +37494,7 @@
                 <a:ea typeface="+mn-ea"/>
                 <a:cs typeface="微软雅黑" charset="0"/>
               </a:rPr>
-              <a:t>2-1 </a:t>
+              <a:t>3-1 </a:t>
             </a:r>
             <a:r>
               <a:rPr lang="zh-CN" altLang="en-US" sz="2400" b="1" dirty="0" smtClean="0">
@@ -37731,10 +37620,6 @@
               </a:rPr>
               <a:t>Concurrent Clean</a:t>
             </a:r>
-            <a:endParaRPr lang="en-US" altLang="zh-CN" sz="2000" dirty="0" smtClean="0">
-              <a:latin typeface="+mn-ea"/>
-              <a:ea typeface="+mn-ea"/>
-            </a:endParaRPr>
           </a:p>
           <a:p>
             <a:pPr marL="342900" indent="-342900">
@@ -39558,7 +39443,7 @@
         <a:sysClr val="windowText" lastClr="000000"/>
       </a:dk1>
       <a:lt1>
-        <a:sysClr val="window" lastClr="FFFFFF"/>
+        <a:sysClr val="window" lastClr="CAEACE"/>
       </a:lt1>
       <a:dk2>
         <a:srgbClr val="1F497D"/>
@@ -39846,7 +39731,7 @@
         <a:sysClr val="windowText" lastClr="000000"/>
       </a:dk1>
       <a:lt1>
-        <a:sysClr val="window" lastClr="FFFFFF"/>
+        <a:sysClr val="window" lastClr="CAEACE"/>
       </a:lt1>
       <a:dk2>
         <a:srgbClr val="44546A"/>
@@ -40392,7 +40277,7 @@
         <a:sysClr val="windowText" lastClr="000000"/>
       </a:dk1>
       <a:lt1>
-        <a:sysClr val="window" lastClr="FFFFFF"/>
+        <a:sysClr val="window" lastClr="CAEACE"/>
       </a:lt1>
       <a:dk2>
         <a:srgbClr val="1F497D"/>
